--- a/12_MotorTest.pptx
+++ b/12_MotorTest.pptx
@@ -116,6 +116,11 @@
       </a:defRPr>
     </a:lvl9pPr>
   </p:defaultTextStyle>
+  <p:extLst>
+    <p:ext uri="{EFAFB233-063F-42B5-8137-9DF3F51BA10A}">
+      <p15:sldGuideLst xmlns:p15="http://schemas.microsoft.com/office/powerpoint/2012/main"/>
+    </p:ext>
+  </p:extLst>
 </p:presentation>
 </file>
 
@@ -515,7 +520,41 @@
           <a:p>
             <a:r>
               <a:rPr lang="en-US" dirty="0"/>
-              <a:t>In this presentation we solve a  Motion Control Automation use case to demonstrate nBlocksStudio Diagram to Microprocessor executable workflow</a:t>
+              <a:t>Hello,</a:t>
+            </a:r>
+            <a:endParaRPr lang="el-GR" dirty="0"/>
+          </a:p>
+          <a:p>
+            <a:endParaRPr lang="el-GR" dirty="0"/>
+          </a:p>
+          <a:p>
+            <a:r>
+              <a:rPr lang="en-US" dirty="0"/>
+              <a:t>In this presentation we solve a  Motion Control Automation use case</a:t>
+            </a:r>
+            <a:r>
+              <a:rPr lang="el-GR" dirty="0"/>
+              <a:t>,</a:t>
+            </a:r>
+            <a:r>
+              <a:rPr lang="en-US" dirty="0"/>
+              <a:t> to demonstrate</a:t>
+            </a:r>
+            <a:r>
+              <a:rPr lang="el-GR" dirty="0"/>
+              <a:t>,</a:t>
+            </a:r>
+            <a:r>
+              <a:rPr lang="en-US" dirty="0"/>
+              <a:t> nBlocksStudio</a:t>
+            </a:r>
+            <a:r>
+              <a:rPr lang="el-GR" dirty="0"/>
+              <a:t>...</a:t>
+            </a:r>
+            <a:r>
+              <a:rPr lang="en-US" dirty="0"/>
+              <a:t> Diagram to Microprocessor executable workflow</a:t>
             </a:r>
           </a:p>
         </p:txBody>
@@ -697,18 +736,12 @@
           <a:bodyPr/>
           <a:lstStyle/>
           <a:p>
-            <a:r>
-              <a:rPr lang="en-US" dirty="0"/>
-              <a:t>Hello,</a:t>
-            </a:r>
-          </a:p>
-          <a:p>
             <a:endParaRPr lang="en-US" dirty="0"/>
           </a:p>
           <a:p>
             <a:r>
               <a:rPr lang="en-US" dirty="0"/>
-              <a:t>This is an example of a simple motion control automation implemented  with nBlocksStudio.</a:t>
+              <a:t>An example of a simple motion control automation, implemented  with nBlocksStudio.</a:t>
             </a:r>
           </a:p>
           <a:p>
@@ -731,7 +764,24 @@
             </a:pPr>
             <a:r>
               <a:rPr lang="en-US" dirty="0"/>
-              <a:t>A Linear motion stage made with Aluminum profiles, hardened shafts 14mm, A carriage with V-Groove ball bearings, Ball screw &amp; Nut, a Shaft-Coupler and the DC-Motor</a:t>
+              <a:t>A Linear motion stage made with Aluminum profiles, 14mm hardened shafts, A carriage with V-Groove ball bearings, Ball screw &amp; Nut, a Shaft-Coupler and the DC-Motor</a:t>
+            </a:r>
+          </a:p>
+          <a:p>
+            <a:pPr marL="0" indent="0">
+              <a:buFont typeface="Arial" panose="020B0604020202020204" pitchFamily="34" charset="0"/>
+              <a:buNone/>
+            </a:pPr>
+            <a:endParaRPr lang="en-US" dirty="0"/>
+          </a:p>
+          <a:p>
+            <a:pPr marL="0" indent="0">
+              <a:buFont typeface="Arial" panose="020B0604020202020204" pitchFamily="34" charset="0"/>
+              <a:buNone/>
+            </a:pPr>
+            <a:r>
+              <a:rPr lang="en-US" dirty="0"/>
+              <a:t>Interface to electronics:</a:t>
             </a:r>
           </a:p>
           <a:p>
@@ -739,6 +789,39 @@
               <a:buFont typeface="Arial" panose="020B0604020202020204" pitchFamily="34" charset="0"/>
               <a:buChar char="•"/>
             </a:pPr>
+            <a:r>
+              <a:rPr lang="en-US" dirty="0"/>
+              <a:t>The End micro-switches</a:t>
+            </a:r>
+          </a:p>
+          <a:p>
+            <a:pPr marL="171450" marR="0" lvl="0" indent="-171450" algn="l" defTabSz="914400" rtl="0" eaLnBrk="1" fontAlgn="auto" latinLnBrk="0" hangingPunct="1">
+              <a:lnSpc>
+                <a:spcPct val="100000"/>
+              </a:lnSpc>
+              <a:spcBef>
+                <a:spcPts val="0"/>
+              </a:spcBef>
+              <a:spcAft>
+                <a:spcPts val="0"/>
+              </a:spcAft>
+              <a:buClrTx/>
+              <a:buSzTx/>
+              <a:buFont typeface="Arial" panose="020B0604020202020204" pitchFamily="34" charset="0"/>
+              <a:buChar char="•"/>
+              <a:tabLst/>
+              <a:defRPr/>
+            </a:pPr>
+            <a:r>
+              <a:rPr lang="en-US" dirty="0"/>
+              <a:t>A brushed DC 24VA Motor </a:t>
+            </a:r>
+          </a:p>
+          <a:p>
+            <a:pPr marL="0" indent="0">
+              <a:buFont typeface="Arial" panose="020B0604020202020204" pitchFamily="34" charset="0"/>
+              <a:buNone/>
+            </a:pPr>
             <a:endParaRPr lang="en-US" dirty="0"/>
           </a:p>
           <a:p>
@@ -768,18 +851,15 @@
             </a:pPr>
             <a:r>
               <a:rPr lang="en-US" dirty="0"/>
-              <a:t>The Motor is a brushed DC 24V</a:t>
-            </a:r>
-          </a:p>
-          <a:p>
-            <a:pPr marL="171450" indent="-171450">
+              <a:t>The Motor Driver is a low cost L298 breakout board</a:t>
+            </a:r>
+          </a:p>
+          <a:p>
+            <a:pPr marL="0" indent="0">
               <a:buFont typeface="Arial" panose="020B0604020202020204" pitchFamily="34" charset="0"/>
-              <a:buChar char="•"/>
+              <a:buNone/>
             </a:pPr>
-            <a:r>
-              <a:rPr lang="en-US" dirty="0"/>
-              <a:t>The Motor Driver is a low cost L298 breakout board</a:t>
-            </a:r>
+            <a:endParaRPr lang="en-US" dirty="0"/>
           </a:p>
           <a:p>
             <a:endParaRPr lang="en-US" dirty="0"/>
@@ -1028,7 +1108,7 @@
           <a:p>
             <a:r>
               <a:rPr lang="en-US" dirty="0"/>
-              <a:t>When the Schematic Design is completed we are ready for the next step</a:t>
+              <a:t>When the Schematic Design is complete, we are ready for the next step</a:t>
             </a:r>
             <a:endParaRPr lang="en-IE" dirty="0"/>
           </a:p>
@@ -1116,8 +1196,11 @@
           <a:p>
             <a:r>
               <a:rPr lang="en-US" dirty="0"/>
-              <a:t>We export the Design, and 2 files are created</a:t>
-            </a:r>
+              <a:t>We export the Design, and 2 files are created:</a:t>
+            </a:r>
+          </a:p>
+          <a:p>
+            <a:endParaRPr lang="en-US" dirty="0"/>
           </a:p>
           <a:p>
             <a:pPr marL="228600" indent="-228600">
@@ -1153,7 +1236,24 @@
             </a:pPr>
             <a:r>
               <a:rPr lang="en-IE" dirty="0"/>
-              <a:t>These 2 files will be processed in the next step from the nBlocksStudio Translator Command Line tool</a:t>
+              <a:t>These 2 files will be processed in the next step, from the Command Line tool.</a:t>
+            </a:r>
+          </a:p>
+          <a:p>
+            <a:pPr marL="0" indent="0">
+              <a:buFont typeface="+mj-lt"/>
+              <a:buNone/>
+            </a:pPr>
+            <a:endParaRPr lang="en-IE" dirty="0"/>
+          </a:p>
+          <a:p>
+            <a:pPr marL="0" indent="0">
+              <a:buFont typeface="+mj-lt"/>
+              <a:buNone/>
+            </a:pPr>
+            <a:r>
+              <a:rPr lang="en-IE" dirty="0"/>
+              <a:t>This tool is the nBlocksStudio-Translator!</a:t>
             </a:r>
           </a:p>
         </p:txBody>
@@ -1253,7 +1353,7 @@
             </a:pPr>
             <a:r>
               <a:rPr lang="en-US" dirty="0"/>
-              <a:t>The autogenerated main.cpp file that contains our design</a:t>
+              <a:t>The autogenerated main.cpp file, containing our design and </a:t>
             </a:r>
           </a:p>
           <a:p>
@@ -1271,7 +1371,7 @@
             </a:r>
             <a:r>
               <a:rPr lang="en-US" dirty="0"/>
-              <a:t> subfolder which contains</a:t>
+              <a:t> subfolder with:</a:t>
             </a:r>
           </a:p>
           <a:p>
@@ -1281,7 +1381,7 @@
             </a:pPr>
             <a:r>
               <a:rPr lang="en-US" dirty="0"/>
-              <a:t>all the Libraries with the C++ for each Node</a:t>
+              <a:t>all the Libraries and C++ for each Node</a:t>
             </a:r>
           </a:p>
           <a:p>
@@ -1327,6 +1427,64 @@
               <a:rPr lang="en-US" dirty="0"/>
               <a:t> repositories.</a:t>
             </a:r>
+          </a:p>
+          <a:p>
+            <a:pPr marL="0" lvl="0" indent="0">
+              <a:buFont typeface="Arial" panose="020B0604020202020204" pitchFamily="34" charset="0"/>
+              <a:buNone/>
+            </a:pPr>
+            <a:endParaRPr lang="en-US" dirty="0"/>
+          </a:p>
+          <a:p>
+            <a:pPr marL="0" lvl="0" indent="0">
+              <a:buFont typeface="Arial" panose="020B0604020202020204" pitchFamily="34" charset="0"/>
+              <a:buNone/>
+            </a:pPr>
+            <a:r>
+              <a:rPr lang="en-US" dirty="0"/>
+              <a:t>This allows to lock a design on  specific library version(s)</a:t>
+            </a:r>
+          </a:p>
+          <a:p>
+            <a:pPr marL="0" lvl="0" indent="0">
+              <a:buFont typeface="Arial" panose="020B0604020202020204" pitchFamily="34" charset="0"/>
+              <a:buNone/>
+            </a:pPr>
+            <a:endParaRPr lang="en-US" dirty="0"/>
+          </a:p>
+          <a:p>
+            <a:pPr marL="0" lvl="0" indent="0">
+              <a:buFont typeface="Arial" panose="020B0604020202020204" pitchFamily="34" charset="0"/>
+              <a:buNone/>
+            </a:pPr>
+            <a:r>
+              <a:rPr lang="en-US" dirty="0"/>
+              <a:t>Or</a:t>
+            </a:r>
+          </a:p>
+          <a:p>
+            <a:pPr marL="0" lvl="0" indent="0">
+              <a:buFont typeface="Arial" panose="020B0604020202020204" pitchFamily="34" charset="0"/>
+              <a:buNone/>
+            </a:pPr>
+            <a:endParaRPr lang="en-US" dirty="0"/>
+          </a:p>
+          <a:p>
+            <a:pPr marL="0" lvl="0" indent="0">
+              <a:buFont typeface="Arial" panose="020B0604020202020204" pitchFamily="34" charset="0"/>
+              <a:buNone/>
+            </a:pPr>
+            <a:r>
+              <a:rPr lang="en-US" dirty="0"/>
+              <a:t>Use the latest.</a:t>
+            </a:r>
+          </a:p>
+          <a:p>
+            <a:pPr marL="0" lvl="0" indent="0">
+              <a:buFont typeface="Arial" panose="020B0604020202020204" pitchFamily="34" charset="0"/>
+              <a:buNone/>
+            </a:pPr>
+            <a:endParaRPr lang="en-US" dirty="0"/>
           </a:p>
           <a:p>
             <a:pPr marL="0" lvl="0" indent="0">
@@ -1440,13 +1598,16 @@
           <a:p>
             <a:r>
               <a:rPr lang="en-US" dirty="0"/>
-              <a:t>The size is small and is easy to  review and understand it.</a:t>
-            </a:r>
-          </a:p>
-          <a:p>
-            <a:r>
-              <a:rPr lang="en-US" dirty="0"/>
-              <a:t>It is also easy to update some parameters before compilation to facilitate debugging.</a:t>
+              <a:t>The size is small and is easy to  review and understand.</a:t>
+            </a:r>
+          </a:p>
+          <a:p>
+            <a:endParaRPr lang="en-US" dirty="0"/>
+          </a:p>
+          <a:p>
+            <a:r>
+              <a:rPr lang="en-US" dirty="0"/>
+              <a:t>It is also possible  to update some parameters before compilation to facilitate debugging.</a:t>
             </a:r>
           </a:p>
           <a:p>
@@ -1539,7 +1700,7 @@
           <a:p>
             <a:r>
               <a:rPr lang="en-US" dirty="0"/>
-              <a:t>The Next step is the compilation and the executable downloading to our microprocessor Flash memory to run.</a:t>
+              <a:t>The Next step is the compilation and the executable download to our microprocessor.</a:t>
             </a:r>
           </a:p>
           <a:p>
@@ -1552,6 +1713,10 @@
             </a:r>
           </a:p>
           <a:p>
+            <a:pPr marL="171450" indent="-171450">
+              <a:buFont typeface="Arial" panose="020B0604020202020204" pitchFamily="34" charset="0"/>
+              <a:buChar char="•"/>
+            </a:pPr>
             <a:r>
               <a:rPr lang="en-US" dirty="0"/>
               <a:t>ARM AC6 compiler is also an option.</a:t>
